--- a/[UE4] TDShooting.pptx
+++ b/[UE4] TDShooting.pptx
@@ -14,6 +14,7 @@
     <p:sldId id="262" r:id="rId8"/>
     <p:sldId id="260" r:id="rId9"/>
     <p:sldId id="263" r:id="rId10"/>
+    <p:sldId id="265" r:id="rId11"/>
   </p:sldIdLst>
   <p:sldSz cx="9144000" cy="6858000" type="screen4x3"/>
   <p:notesSz cx="6858000" cy="9144000"/>
@@ -296,7 +297,7 @@
           <a:p>
             <a:fld id="{422CC3BA-E2EA-48B9-98B4-6F8DCD460DB8}" type="datetimeFigureOut">
               <a:rPr lang="ko-KR" altLang="en-US" smtClean="0"/>
-              <a:t>2017-10-26</a:t>
+              <a:t>2018-02-22</a:t>
             </a:fld>
             <a:endParaRPr lang="ko-KR" altLang="en-US"/>
           </a:p>
@@ -466,7 +467,7 @@
           <a:p>
             <a:fld id="{422CC3BA-E2EA-48B9-98B4-6F8DCD460DB8}" type="datetimeFigureOut">
               <a:rPr lang="ko-KR" altLang="en-US" smtClean="0"/>
-              <a:t>2017-10-26</a:t>
+              <a:t>2018-02-22</a:t>
             </a:fld>
             <a:endParaRPr lang="ko-KR" altLang="en-US"/>
           </a:p>
@@ -646,7 +647,7 @@
           <a:p>
             <a:fld id="{422CC3BA-E2EA-48B9-98B4-6F8DCD460DB8}" type="datetimeFigureOut">
               <a:rPr lang="ko-KR" altLang="en-US" smtClean="0"/>
-              <a:t>2017-10-26</a:t>
+              <a:t>2018-02-22</a:t>
             </a:fld>
             <a:endParaRPr lang="ko-KR" altLang="en-US"/>
           </a:p>
@@ -816,7 +817,7 @@
           <a:p>
             <a:fld id="{422CC3BA-E2EA-48B9-98B4-6F8DCD460DB8}" type="datetimeFigureOut">
               <a:rPr lang="ko-KR" altLang="en-US" smtClean="0"/>
-              <a:t>2017-10-26</a:t>
+              <a:t>2018-02-22</a:t>
             </a:fld>
             <a:endParaRPr lang="ko-KR" altLang="en-US"/>
           </a:p>
@@ -1062,7 +1063,7 @@
           <a:p>
             <a:fld id="{422CC3BA-E2EA-48B9-98B4-6F8DCD460DB8}" type="datetimeFigureOut">
               <a:rPr lang="ko-KR" altLang="en-US" smtClean="0"/>
-              <a:t>2017-10-26</a:t>
+              <a:t>2018-02-22</a:t>
             </a:fld>
             <a:endParaRPr lang="ko-KR" altLang="en-US"/>
           </a:p>
@@ -1350,7 +1351,7 @@
           <a:p>
             <a:fld id="{422CC3BA-E2EA-48B9-98B4-6F8DCD460DB8}" type="datetimeFigureOut">
               <a:rPr lang="ko-KR" altLang="en-US" smtClean="0"/>
-              <a:t>2017-10-26</a:t>
+              <a:t>2018-02-22</a:t>
             </a:fld>
             <a:endParaRPr lang="ko-KR" altLang="en-US"/>
           </a:p>
@@ -1772,7 +1773,7 @@
           <a:p>
             <a:fld id="{422CC3BA-E2EA-48B9-98B4-6F8DCD460DB8}" type="datetimeFigureOut">
               <a:rPr lang="ko-KR" altLang="en-US" smtClean="0"/>
-              <a:t>2017-10-26</a:t>
+              <a:t>2018-02-22</a:t>
             </a:fld>
             <a:endParaRPr lang="ko-KR" altLang="en-US"/>
           </a:p>
@@ -1890,7 +1891,7 @@
           <a:p>
             <a:fld id="{422CC3BA-E2EA-48B9-98B4-6F8DCD460DB8}" type="datetimeFigureOut">
               <a:rPr lang="ko-KR" altLang="en-US" smtClean="0"/>
-              <a:t>2017-10-26</a:t>
+              <a:t>2018-02-22</a:t>
             </a:fld>
             <a:endParaRPr lang="ko-KR" altLang="en-US"/>
           </a:p>
@@ -1985,7 +1986,7 @@
           <a:p>
             <a:fld id="{422CC3BA-E2EA-48B9-98B4-6F8DCD460DB8}" type="datetimeFigureOut">
               <a:rPr lang="ko-KR" altLang="en-US" smtClean="0"/>
-              <a:t>2017-10-26</a:t>
+              <a:t>2018-02-22</a:t>
             </a:fld>
             <a:endParaRPr lang="ko-KR" altLang="en-US"/>
           </a:p>
@@ -2262,7 +2263,7 @@
           <a:p>
             <a:fld id="{422CC3BA-E2EA-48B9-98B4-6F8DCD460DB8}" type="datetimeFigureOut">
               <a:rPr lang="ko-KR" altLang="en-US" smtClean="0"/>
-              <a:t>2017-10-26</a:t>
+              <a:t>2018-02-22</a:t>
             </a:fld>
             <a:endParaRPr lang="ko-KR" altLang="en-US"/>
           </a:p>
@@ -2515,7 +2516,7 @@
           <a:p>
             <a:fld id="{422CC3BA-E2EA-48B9-98B4-6F8DCD460DB8}" type="datetimeFigureOut">
               <a:rPr lang="ko-KR" altLang="en-US" smtClean="0"/>
-              <a:t>2017-10-26</a:t>
+              <a:t>2018-02-22</a:t>
             </a:fld>
             <a:endParaRPr lang="ko-KR" altLang="en-US"/>
           </a:p>
@@ -2728,7 +2729,7 @@
           <a:p>
             <a:fld id="{422CC3BA-E2EA-48B9-98B4-6F8DCD460DB8}" type="datetimeFigureOut">
               <a:rPr lang="ko-KR" altLang="en-US" smtClean="0"/>
-              <a:t>2017-10-26</a:t>
+              <a:t>2018-02-22</a:t>
             </a:fld>
             <a:endParaRPr lang="ko-KR" altLang="en-US"/>
           </a:p>
@@ -3183,7 +3184,7 @@
         </p:nvSpPr>
         <p:spPr>
           <a:xfrm>
-            <a:off x="3627736" y="3717032"/>
+            <a:off x="3627736" y="2924944"/>
             <a:ext cx="2232248" cy="523220"/>
           </a:xfrm>
           <a:prstGeom prst="rect">
@@ -3217,7 +3218,7 @@
         </p:nvSpPr>
         <p:spPr>
           <a:xfrm>
-            <a:off x="3627736" y="4240252"/>
+            <a:off x="3627736" y="3448164"/>
             <a:ext cx="5052067" cy="523220"/>
           </a:xfrm>
           <a:prstGeom prst="rect">
@@ -3262,7 +3263,7 @@
         </p:nvSpPr>
         <p:spPr>
           <a:xfrm>
-            <a:off x="3627736" y="4763472"/>
+            <a:off x="3627736" y="3971384"/>
             <a:ext cx="2952328" cy="523220"/>
           </a:xfrm>
           <a:prstGeom prst="rect">
@@ -3310,7 +3311,7 @@
         </p:nvSpPr>
         <p:spPr>
           <a:xfrm>
-            <a:off x="3627736" y="5286692"/>
+            <a:off x="3627736" y="4494604"/>
             <a:ext cx="3168351" cy="523220"/>
           </a:xfrm>
           <a:prstGeom prst="rect">
@@ -3352,7 +3353,7 @@
         </p:nvSpPr>
         <p:spPr>
           <a:xfrm>
-            <a:off x="3627736" y="5784029"/>
+            <a:off x="3627736" y="4991941"/>
             <a:ext cx="2670990" cy="523220"/>
           </a:xfrm>
           <a:prstGeom prst="rect">
@@ -3456,14 +3457,14 @@
       </p:sp>
       <p:sp>
         <p:nvSpPr>
-          <p:cNvPr id="11" name="TextBox 10"/>
+          <p:cNvPr id="12" name="TextBox 11"/>
           <p:cNvSpPr txBox="1"/>
           <p:nvPr/>
         </p:nvSpPr>
         <p:spPr>
           <a:xfrm>
-            <a:off x="409336" y="2740278"/>
-            <a:ext cx="6386751" cy="646331"/>
+            <a:off x="3627736" y="5515161"/>
+            <a:ext cx="2670990" cy="523220"/>
           </a:xfrm>
           <a:prstGeom prst="rect">
             <a:avLst/>
@@ -3477,93 +3478,14 @@
           <a:lstStyle/>
           <a:p>
             <a:r>
-              <a:rPr lang="ko-KR" altLang="en-US" dirty="0" smtClean="0">
-                <a:solidFill>
-                  <a:srgbClr val="7030A0"/>
-                </a:solidFill>
-              </a:rPr>
-              <a:t>다른 </a:t>
-            </a:r>
-            <a:r>
-              <a:rPr lang="ko-KR" altLang="en-US" dirty="0" err="1" smtClean="0">
-                <a:solidFill>
-                  <a:srgbClr val="7030A0"/>
-                </a:solidFill>
-              </a:rPr>
-              <a:t>언리얼프로젝트</a:t>
-            </a:r>
-            <a:r>
-              <a:rPr lang="en-US" altLang="ko-KR" dirty="0" err="1">
-                <a:solidFill>
-                  <a:srgbClr val="7030A0"/>
-                </a:solidFill>
-              </a:rPr>
-              <a:t>WaveDefense</a:t>
-            </a:r>
-            <a:r>
-              <a:rPr lang="en-US" altLang="ko-KR" dirty="0">
-                <a:solidFill>
-                  <a:srgbClr val="7030A0"/>
-                </a:solidFill>
-              </a:rPr>
-              <a:t> (GitHub</a:t>
-            </a:r>
-            <a:r>
-              <a:rPr lang="en-US" altLang="ko-KR" dirty="0" smtClean="0">
-                <a:solidFill>
-                  <a:srgbClr val="7030A0"/>
-                </a:solidFill>
-              </a:rPr>
-              <a:t>)</a:t>
-            </a:r>
-            <a:r>
-              <a:rPr lang="ko-KR" altLang="en-US" dirty="0" smtClean="0">
-                <a:solidFill>
-                  <a:srgbClr val="7030A0"/>
-                </a:solidFill>
-              </a:rPr>
-              <a:t>주소 </a:t>
-            </a:r>
-            <a:r>
-              <a:rPr lang="en-US" altLang="ko-KR" dirty="0" smtClean="0">
-                <a:solidFill>
-                  <a:srgbClr val="7030A0"/>
-                </a:solidFill>
-              </a:rPr>
-              <a:t>:</a:t>
-            </a:r>
-          </a:p>
-          <a:p>
-            <a:r>
-              <a:rPr lang="en-US" altLang="ko-KR" dirty="0" smtClean="0">
-                <a:solidFill>
-                  <a:schemeClr val="tx2">
-                    <a:lumMod val="60000"/>
-                    <a:lumOff val="40000"/>
-                  </a:schemeClr>
-                </a:solidFill>
-              </a:rPr>
-              <a:t>https</a:t>
-            </a:r>
-            <a:r>
-              <a:rPr lang="en-US" altLang="ko-KR" dirty="0">
-                <a:solidFill>
-                  <a:schemeClr val="tx2">
-                    <a:lumMod val="60000"/>
-                    <a:lumOff val="40000"/>
-                  </a:schemeClr>
-                </a:solidFill>
-              </a:rPr>
-              <a:t>://github.com/hehza90/-Unreal-WaveDefense.git</a:t>
-            </a:r>
-            <a:endParaRPr lang="ko-KR" altLang="en-US" dirty="0">
-              <a:solidFill>
-                <a:schemeClr val="tx2">
-                  <a:lumMod val="60000"/>
-                  <a:lumOff val="40000"/>
-                </a:schemeClr>
-              </a:solidFill>
-            </a:endParaRPr>
+              <a:rPr lang="en-US" altLang="ko-KR" sz="2800" dirty="0" smtClean="0"/>
+              <a:t>6. </a:t>
+            </a:r>
+            <a:r>
+              <a:rPr lang="ko-KR" altLang="en-US" sz="2800" dirty="0" err="1" smtClean="0"/>
+              <a:t>프로파일링</a:t>
+            </a:r>
+            <a:endParaRPr lang="ko-KR" altLang="en-US" sz="2800" dirty="0"/>
           </a:p>
         </p:txBody>
       </p:sp>
@@ -3577,6 +3499,329 @@
   <p:clrMapOvr>
     <a:masterClrMapping/>
   </p:clrMapOvr>
+</p:sld>
+</file>
+
+<file path=ppt/slides/slide10.xml><?xml version="1.0" encoding="utf-8"?>
+<p:sld xmlns:a="http://schemas.openxmlformats.org/drawingml/2006/main" xmlns:r="http://schemas.openxmlformats.org/officeDocument/2006/relationships" xmlns:p="http://schemas.openxmlformats.org/presentationml/2006/main">
+  <p:cSld>
+    <p:spTree>
+      <p:nvGrpSpPr>
+        <p:cNvPr id="1" name=""/>
+        <p:cNvGrpSpPr/>
+        <p:nvPr/>
+      </p:nvGrpSpPr>
+      <p:grpSpPr>
+        <a:xfrm>
+          <a:off x="0" y="0"/>
+          <a:ext cx="0" cy="0"/>
+          <a:chOff x="0" y="0"/>
+          <a:chExt cx="0" cy="0"/>
+        </a:xfrm>
+      </p:grpSpPr>
+      <p:sp>
+        <p:nvSpPr>
+          <p:cNvPr id="4" name="TextBox 3"/>
+          <p:cNvSpPr txBox="1"/>
+          <p:nvPr/>
+        </p:nvSpPr>
+        <p:spPr>
+          <a:xfrm>
+            <a:off x="107504" y="97468"/>
+            <a:ext cx="2670990" cy="523220"/>
+          </a:xfrm>
+          <a:prstGeom prst="rect">
+            <a:avLst/>
+          </a:prstGeom>
+          <a:noFill/>
+        </p:spPr>
+        <p:txBody>
+          <a:bodyPr wrap="square" rtlCol="0">
+            <a:spAutoFit/>
+          </a:bodyPr>
+          <a:lstStyle/>
+          <a:p>
+            <a:r>
+              <a:rPr lang="en-US" altLang="ko-KR" sz="2800" dirty="0" smtClean="0"/>
+              <a:t>6. </a:t>
+            </a:r>
+            <a:r>
+              <a:rPr lang="ko-KR" altLang="en-US" sz="2800" dirty="0" err="1" smtClean="0"/>
+              <a:t>프로파일링</a:t>
+            </a:r>
+            <a:endParaRPr lang="ko-KR" altLang="en-US" sz="2800" dirty="0"/>
+          </a:p>
+        </p:txBody>
+      </p:sp>
+      <p:sp>
+        <p:nvSpPr>
+          <p:cNvPr id="5" name="TextBox 4"/>
+          <p:cNvSpPr txBox="1"/>
+          <p:nvPr/>
+        </p:nvSpPr>
+        <p:spPr>
+          <a:xfrm>
+            <a:off x="5868144" y="4150819"/>
+            <a:ext cx="2839916" cy="646331"/>
+          </a:xfrm>
+          <a:prstGeom prst="rect">
+            <a:avLst/>
+          </a:prstGeom>
+          <a:noFill/>
+        </p:spPr>
+        <p:txBody>
+          <a:bodyPr wrap="square" rtlCol="0">
+            <a:spAutoFit/>
+          </a:bodyPr>
+          <a:lstStyle/>
+          <a:p>
+            <a:r>
+              <a:rPr lang="ko-KR" altLang="en-US" dirty="0" err="1" smtClean="0"/>
+              <a:t>게임스레드에서</a:t>
+            </a:r>
+            <a:r>
+              <a:rPr lang="ko-KR" altLang="en-US" dirty="0" smtClean="0"/>
+              <a:t> </a:t>
+            </a:r>
+            <a:r>
+              <a:rPr lang="en-US" altLang="ko-KR" dirty="0" smtClean="0"/>
+              <a:t>8~9ms</a:t>
+            </a:r>
+            <a:r>
+              <a:rPr lang="ko-KR" altLang="en-US" dirty="0" smtClean="0"/>
+              <a:t>로 문제가 방생하지 않음</a:t>
+            </a:r>
+            <a:endParaRPr lang="ko-KR" altLang="en-US" dirty="0"/>
+          </a:p>
+        </p:txBody>
+      </p:sp>
+      <p:pic>
+        <p:nvPicPr>
+          <p:cNvPr id="3" name="Picture 3" descr="C:\Nam\포트폴리오 스크린샷&amp;동영상\슈팅프로파일.PNG"/>
+          <p:cNvPicPr>
+            <a:picLocks noChangeAspect="1" noChangeArrowheads="1"/>
+          </p:cNvPicPr>
+          <p:nvPr/>
+        </p:nvPicPr>
+        <p:blipFill>
+          <a:blip r:embed="rId2">
+            <a:extLst>
+              <a:ext uri="{28A0092B-C50C-407E-A947-70E740481C1C}">
+                <a14:useLocalDpi xmlns:a14="http://schemas.microsoft.com/office/drawing/2010/main" val="0"/>
+              </a:ext>
+            </a:extLst>
+          </a:blip>
+          <a:srcRect/>
+          <a:stretch>
+            <a:fillRect/>
+          </a:stretch>
+        </p:blipFill>
+        <p:spPr bwMode="auto">
+          <a:xfrm>
+            <a:off x="142446" y="4861153"/>
+            <a:ext cx="6745288" cy="1781175"/>
+          </a:xfrm>
+          <a:prstGeom prst="rect">
+            <a:avLst/>
+          </a:prstGeom>
+          <a:noFill/>
+          <a:extLst>
+            <a:ext uri="{909E8E84-426E-40DD-AFC4-6F175D3DCCD1}">
+              <a14:hiddenFill xmlns:a14="http://schemas.microsoft.com/office/drawing/2010/main">
+                <a:solidFill>
+                  <a:srgbClr val="FFFFFF"/>
+                </a:solidFill>
+              </a14:hiddenFill>
+            </a:ext>
+          </a:extLst>
+        </p:spPr>
+      </p:pic>
+      <p:pic>
+        <p:nvPicPr>
+          <p:cNvPr id="2" name="Picture 2" descr="C:\Users\0\Pictures\Screenshots\스크린샷(22).png"/>
+          <p:cNvPicPr>
+            <a:picLocks noChangeAspect="1" noChangeArrowheads="1"/>
+          </p:cNvPicPr>
+          <p:nvPr/>
+        </p:nvPicPr>
+        <p:blipFill rotWithShape="1">
+          <a:blip r:embed="rId3">
+            <a:extLst>
+              <a:ext uri="{28A0092B-C50C-407E-A947-70E740481C1C}">
+                <a14:useLocalDpi xmlns:a14="http://schemas.microsoft.com/office/drawing/2010/main" val="0"/>
+              </a:ext>
+            </a:extLst>
+          </a:blip>
+          <a:srcRect l="3864" t="7313" r="9284" b="15117"/>
+          <a:stretch/>
+        </p:blipFill>
+        <p:spPr bwMode="auto">
+          <a:xfrm>
+            <a:off x="143118" y="616382"/>
+            <a:ext cx="5725026" cy="4090616"/>
+          </a:xfrm>
+          <a:prstGeom prst="rect">
+            <a:avLst/>
+          </a:prstGeom>
+          <a:noFill/>
+          <a:extLst>
+            <a:ext uri="{909E8E84-426E-40DD-AFC4-6F175D3DCCD1}">
+              <a14:hiddenFill xmlns:a14="http://schemas.microsoft.com/office/drawing/2010/main">
+                <a:solidFill>
+                  <a:srgbClr val="FFFFFF"/>
+                </a:solidFill>
+              </a14:hiddenFill>
+            </a:ext>
+          </a:extLst>
+        </p:spPr>
+      </p:pic>
+      <p:pic>
+        <p:nvPicPr>
+          <p:cNvPr id="7" name="Picture 2" descr="C:\Users\0\Pictures\Screenshots\스크린샷(22).png"/>
+          <p:cNvPicPr>
+            <a:picLocks noChangeAspect="1" noChangeArrowheads="1"/>
+          </p:cNvPicPr>
+          <p:nvPr/>
+        </p:nvPicPr>
+        <p:blipFill rotWithShape="1">
+          <a:blip r:embed="rId3">
+            <a:extLst>
+              <a:ext uri="{28A0092B-C50C-407E-A947-70E740481C1C}">
+                <a14:useLocalDpi xmlns:a14="http://schemas.microsoft.com/office/drawing/2010/main" val="0"/>
+              </a:ext>
+            </a:extLst>
+          </a:blip>
+          <a:srcRect l="72141" t="21228" r="14787" b="66434"/>
+          <a:stretch/>
+        </p:blipFill>
+        <p:spPr bwMode="auto">
+          <a:xfrm>
+            <a:off x="6372200" y="607699"/>
+            <a:ext cx="2228800" cy="1682972"/>
+          </a:xfrm>
+          <a:prstGeom prst="rect">
+            <a:avLst/>
+          </a:prstGeom>
+          <a:noFill/>
+          <a:extLst>
+            <a:ext uri="{909E8E84-426E-40DD-AFC4-6F175D3DCCD1}">
+              <a14:hiddenFill xmlns:a14="http://schemas.microsoft.com/office/drawing/2010/main">
+                <a:solidFill>
+                  <a:srgbClr val="FFFFFF"/>
+                </a:solidFill>
+              </a14:hiddenFill>
+            </a:ext>
+          </a:extLst>
+        </p:spPr>
+      </p:pic>
+      <p:sp>
+        <p:nvSpPr>
+          <p:cNvPr id="6" name="타원 5"/>
+          <p:cNvSpPr/>
+          <p:nvPr/>
+        </p:nvSpPr>
+        <p:spPr>
+          <a:xfrm>
+            <a:off x="4644008" y="1268760"/>
+            <a:ext cx="792088" cy="792088"/>
+          </a:xfrm>
+          <a:prstGeom prst="ellipse">
+            <a:avLst/>
+          </a:prstGeom>
+          <a:noFill/>
+          <a:ln>
+            <a:solidFill>
+              <a:srgbClr val="FF0000"/>
+            </a:solidFill>
+          </a:ln>
+        </p:spPr>
+        <p:style>
+          <a:lnRef idx="2">
+            <a:schemeClr val="accent1">
+              <a:shade val="50000"/>
+            </a:schemeClr>
+          </a:lnRef>
+          <a:fillRef idx="1">
+            <a:schemeClr val="accent1"/>
+          </a:fillRef>
+          <a:effectRef idx="0">
+            <a:schemeClr val="accent1"/>
+          </a:effectRef>
+          <a:fontRef idx="minor">
+            <a:schemeClr val="lt1"/>
+          </a:fontRef>
+        </p:style>
+        <p:txBody>
+          <a:bodyPr rtlCol="0" anchor="ctr"/>
+          <a:lstStyle/>
+          <a:p>
+            <a:pPr algn="ctr"/>
+            <a:endParaRPr lang="ko-KR" altLang="en-US"/>
+          </a:p>
+        </p:txBody>
+      </p:sp>
+      <p:cxnSp>
+        <p:nvCxnSpPr>
+          <p:cNvPr id="9" name="직선 화살표 연결선 8"/>
+          <p:cNvCxnSpPr/>
+          <p:nvPr/>
+        </p:nvCxnSpPr>
+        <p:spPr>
+          <a:xfrm flipV="1">
+            <a:off x="5436096" y="1628800"/>
+            <a:ext cx="936104" cy="1"/>
+          </a:xfrm>
+          <a:prstGeom prst="straightConnector1">
+            <a:avLst/>
+          </a:prstGeom>
+          <a:ln w="28575">
+            <a:solidFill>
+              <a:srgbClr val="FF0000"/>
+            </a:solidFill>
+            <a:headEnd type="none" w="med" len="med"/>
+            <a:tailEnd type="triangle" w="med" len="med"/>
+          </a:ln>
+        </p:spPr>
+        <p:style>
+          <a:lnRef idx="1">
+            <a:schemeClr val="accent1"/>
+          </a:lnRef>
+          <a:fillRef idx="0">
+            <a:schemeClr val="accent1"/>
+          </a:fillRef>
+          <a:effectRef idx="0">
+            <a:schemeClr val="accent1"/>
+          </a:effectRef>
+          <a:fontRef idx="minor">
+            <a:schemeClr val="tx1"/>
+          </a:fontRef>
+        </p:style>
+      </p:cxnSp>
+    </p:spTree>
+    <p:extLst>
+      <p:ext uri="{BB962C8B-B14F-4D97-AF65-F5344CB8AC3E}">
+        <p14:creationId xmlns:p14="http://schemas.microsoft.com/office/powerpoint/2010/main" val="1690740359"/>
+      </p:ext>
+    </p:extLst>
+  </p:cSld>
+  <p:clrMapOvr>
+    <a:masterClrMapping/>
+  </p:clrMapOvr>
+  <mc:AlternateContent xmlns:mc="http://schemas.openxmlformats.org/markup-compatibility/2006" xmlns:p14="http://schemas.microsoft.com/office/powerpoint/2010/main">
+    <mc:Choice Requires="p14">
+      <p:transition spd="slow" p14:dur="2000"/>
+    </mc:Choice>
+    <mc:Fallback xmlns="">
+      <p:transition spd="slow"/>
+    </mc:Fallback>
+  </mc:AlternateContent>
+  <p:timing>
+    <p:tnLst>
+      <p:par>
+        <p:cTn id="1" dur="indefinite" restart="never" nodeType="tmRoot"/>
+      </p:par>
+    </p:tnLst>
+  </p:timing>
 </p:sld>
 </file>
 
@@ -3639,8 +3884,8 @@
         </p:nvSpPr>
         <p:spPr>
           <a:xfrm>
-            <a:off x="179512" y="5075892"/>
-            <a:ext cx="8712967" cy="369332"/>
+            <a:off x="236146" y="4252479"/>
+            <a:ext cx="2592288" cy="1200329"/>
           </a:xfrm>
           <a:prstGeom prst="rect">
             <a:avLst/>
@@ -3653,15 +3898,6 @@
           </a:bodyPr>
           <a:lstStyle/>
           <a:p>
-            <a:pPr algn="ctr"/>
-            <a:r>
-              <a:rPr lang="en-US" altLang="ko-KR" dirty="0" smtClean="0"/>
-              <a:t>(</a:t>
-            </a:r>
-            <a:r>
-              <a:rPr lang="ko-KR" altLang="en-US" dirty="0" smtClean="0"/>
-              <a:t>내려다 보는 시점의 슈팅게임으로 </a:t>
-            </a:r>
             <a:r>
               <a:rPr lang="en-US" altLang="ko-KR" dirty="0" smtClean="0"/>
               <a:t>WASD</a:t>
@@ -3672,15 +3908,50 @@
             </a:r>
             <a:r>
               <a:rPr lang="en-US" altLang="ko-KR" dirty="0" smtClean="0"/>
-              <a:t>, </a:t>
-            </a:r>
-            <a:r>
-              <a:rPr lang="ko-KR" altLang="en-US" dirty="0" smtClean="0"/>
-              <a:t>마우스로 조준 및 발사 입니다</a:t>
+              <a:t>,</a:t>
+            </a:r>
+          </a:p>
+          <a:p>
+            <a:r>
+              <a:rPr lang="ko-KR" altLang="en-US" dirty="0" smtClean="0"/>
+              <a:t>마우스로 </a:t>
+            </a:r>
+            <a:r>
+              <a:rPr lang="ko-KR" altLang="en-US" dirty="0" smtClean="0"/>
+              <a:t>조준 및 </a:t>
+            </a:r>
+            <a:r>
+              <a:rPr lang="ko-KR" altLang="en-US" dirty="0" smtClean="0"/>
+              <a:t>발사</a:t>
+            </a:r>
+            <a:endParaRPr lang="en-US" altLang="ko-KR" dirty="0" smtClean="0"/>
+          </a:p>
+          <a:p>
+            <a:r>
+              <a:rPr lang="ko-KR" altLang="en-US" dirty="0" smtClean="0"/>
+              <a:t>왼쪽 </a:t>
             </a:r>
             <a:r>
               <a:rPr lang="en-US" altLang="ko-KR" dirty="0" smtClean="0"/>
-              <a:t>.)</a:t>
+              <a:t>Shift</a:t>
+            </a:r>
+            <a:r>
+              <a:rPr lang="ko-KR" altLang="en-US" dirty="0" smtClean="0"/>
+              <a:t>로 달리기</a:t>
+            </a:r>
+            <a:r>
+              <a:rPr lang="en-US" altLang="ko-KR" dirty="0" smtClean="0"/>
+              <a:t>.</a:t>
+            </a:r>
+          </a:p>
+          <a:p>
+            <a:r>
+              <a:rPr lang="en-US" altLang="ko-KR" dirty="0" smtClean="0"/>
+              <a:t>1,2</a:t>
+            </a:r>
+            <a:r>
+              <a:rPr lang="ko-KR" altLang="en-US" dirty="0" smtClean="0"/>
+              <a:t>로 무기 교체</a:t>
             </a:r>
             <a:endParaRPr lang="ko-KR" altLang="en-US" dirty="0"/>
           </a:p>
@@ -3694,8 +3965,8 @@
         </p:nvSpPr>
         <p:spPr>
           <a:xfrm>
-            <a:off x="179512" y="5674022"/>
-            <a:ext cx="8856984" cy="923330"/>
+            <a:off x="107504" y="5445224"/>
+            <a:ext cx="8856984" cy="1200329"/>
           </a:xfrm>
           <a:prstGeom prst="rect">
             <a:avLst/>
@@ -3726,7 +3997,23 @@
             </a:r>
             <a:r>
               <a:rPr lang="ko-KR" altLang="en-US" dirty="0" smtClean="0"/>
-              <a:t>재장전 할 때 아래에 게이지가 나타납니다</a:t>
+              <a:t>재장전 할 때 아래에 게이지가 </a:t>
+            </a:r>
+            <a:r>
+              <a:rPr lang="ko-KR" altLang="en-US" dirty="0" smtClean="0"/>
+              <a:t>나타납니다</a:t>
+            </a:r>
+            <a:r>
+              <a:rPr lang="en-US" altLang="ko-KR" dirty="0" smtClean="0"/>
+              <a:t>. </a:t>
+            </a:r>
+            <a:r>
+              <a:rPr lang="ko-KR" altLang="en-US" dirty="0" smtClean="0"/>
+              <a:t>무기를 바꾸면 재장전은 초기화 됩니다</a:t>
+            </a:r>
+            <a:r>
+              <a:rPr lang="en-US" altLang="ko-KR" dirty="0" smtClean="0"/>
+              <a:t>.</a:t>
             </a:r>
             <a:endParaRPr lang="en-US" altLang="ko-KR" dirty="0" smtClean="0"/>
           </a:p>
@@ -3753,7 +4040,7 @@
       </p:sp>
       <p:pic>
         <p:nvPicPr>
-          <p:cNvPr id="1026" name="Picture 2" descr="C:\Nam\포트폴리오 스크린샷&amp;동영상\언리얼\게임화면.PNG"/>
+          <p:cNvPr id="1027" name="Picture 3" descr="C:\Nam\포트폴리오 스크린샷&amp;동영상\언리얼\방생성\다음룸.PNG"/>
           <p:cNvPicPr>
             <a:picLocks noChangeAspect="1" noChangeArrowheads="1"/>
           </p:cNvPicPr>
@@ -3774,8 +4061,8 @@
         </p:blipFill>
         <p:spPr bwMode="auto">
           <a:xfrm>
-            <a:off x="239086" y="1057903"/>
-            <a:ext cx="5585747" cy="4010344"/>
+            <a:off x="5950138" y="908720"/>
+            <a:ext cx="2926569" cy="2453536"/>
           </a:xfrm>
           <a:prstGeom prst="rect">
             <a:avLst/>
@@ -3794,13 +4081,13 @@
       </p:pic>
       <p:pic>
         <p:nvPicPr>
-          <p:cNvPr id="1027" name="Picture 3" descr="C:\Nam\포트폴리오 스크린샷&amp;동영상\언리얼\방생성\다음룸.PNG"/>
+          <p:cNvPr id="1028" name="Picture 4" descr="C:\Nam\포트폴리오 스크린샷&amp;동영상\언리얼\방생성\재장전.PNG"/>
           <p:cNvPicPr>
             <a:picLocks noChangeAspect="1" noChangeArrowheads="1"/>
           </p:cNvPicPr>
           <p:nvPr/>
         </p:nvPicPr>
-        <p:blipFill>
+        <p:blipFill rotWithShape="1">
           <a:blip r:embed="rId3">
             <a:extLst>
               <a:ext uri="{28A0092B-C50C-407E-A947-70E740481C1C}">
@@ -3808,15 +4095,13 @@
               </a:ext>
             </a:extLst>
           </a:blip>
-          <a:srcRect/>
-          <a:stretch>
-            <a:fillRect/>
-          </a:stretch>
+          <a:srcRect r="37735"/>
+          <a:stretch/>
         </p:blipFill>
         <p:spPr bwMode="auto">
           <a:xfrm>
-            <a:off x="5950138" y="1057903"/>
-            <a:ext cx="2926569" cy="2453536"/>
+            <a:off x="6215424" y="3782599"/>
+            <a:ext cx="2395996" cy="885825"/>
           </a:xfrm>
           <a:prstGeom prst="rect">
             <a:avLst/>
@@ -3833,9 +4118,43 @@
           </a:extLst>
         </p:spPr>
       </p:pic>
+      <p:sp>
+        <p:nvSpPr>
+          <p:cNvPr id="8" name="TextBox 7"/>
+          <p:cNvSpPr txBox="1"/>
+          <p:nvPr/>
+        </p:nvSpPr>
+        <p:spPr>
+          <a:xfrm>
+            <a:off x="239086" y="548680"/>
+            <a:ext cx="2160240" cy="369332"/>
+          </a:xfrm>
+          <a:prstGeom prst="rect">
+            <a:avLst/>
+          </a:prstGeom>
+          <a:noFill/>
+        </p:spPr>
+        <p:txBody>
+          <a:bodyPr wrap="square" rtlCol="0">
+            <a:spAutoFit/>
+          </a:bodyPr>
+          <a:lstStyle/>
+          <a:p>
+            <a:r>
+              <a:rPr lang="en-US" altLang="ko-KR" dirty="0" smtClean="0"/>
+              <a:t>1) </a:t>
+            </a:r>
+            <a:r>
+              <a:rPr lang="ko-KR" altLang="en-US" dirty="0" smtClean="0"/>
+              <a:t>조작</a:t>
+            </a:r>
+            <a:endParaRPr lang="ko-KR" altLang="en-US" dirty="0"/>
+          </a:p>
+        </p:txBody>
+      </p:sp>
       <p:pic>
         <p:nvPicPr>
-          <p:cNvPr id="1028" name="Picture 4" descr="C:\Nam\포트폴리오 스크린샷&amp;동영상\언리얼\방생성\재장전.PNG"/>
+          <p:cNvPr id="2050" name="Picture 2" descr="C:\Users\0\Pictures\Screenshots\스크린샷(20).png"/>
           <p:cNvPicPr>
             <a:picLocks noChangeAspect="1" noChangeArrowheads="1"/>
           </p:cNvPicPr>
@@ -3849,13 +4168,13 @@
               </a:ext>
             </a:extLst>
           </a:blip>
-          <a:srcRect r="37735"/>
+          <a:srcRect l="9840" t="11276" r="5726" b="24813"/>
           <a:stretch/>
         </p:blipFill>
         <p:spPr bwMode="auto">
           <a:xfrm>
-            <a:off x="6215424" y="3924396"/>
-            <a:ext cx="2395996" cy="885825"/>
+            <a:off x="251520" y="913961"/>
+            <a:ext cx="5513295" cy="3338518"/>
           </a:xfrm>
           <a:prstGeom prst="rect">
             <a:avLst/>
@@ -3872,40 +4191,6 @@
           </a:extLst>
         </p:spPr>
       </p:pic>
-      <p:sp>
-        <p:nvSpPr>
-          <p:cNvPr id="8" name="TextBox 7"/>
-          <p:cNvSpPr txBox="1"/>
-          <p:nvPr/>
-        </p:nvSpPr>
-        <p:spPr>
-          <a:xfrm>
-            <a:off x="239086" y="688571"/>
-            <a:ext cx="2160240" cy="369332"/>
-          </a:xfrm>
-          <a:prstGeom prst="rect">
-            <a:avLst/>
-          </a:prstGeom>
-          <a:noFill/>
-        </p:spPr>
-        <p:txBody>
-          <a:bodyPr wrap="square" rtlCol="0">
-            <a:spAutoFit/>
-          </a:bodyPr>
-          <a:lstStyle/>
-          <a:p>
-            <a:r>
-              <a:rPr lang="en-US" altLang="ko-KR" dirty="0" smtClean="0"/>
-              <a:t>1) </a:t>
-            </a:r>
-            <a:r>
-              <a:rPr lang="ko-KR" altLang="en-US" dirty="0" smtClean="0"/>
-              <a:t>조작</a:t>
-            </a:r>
-            <a:endParaRPr lang="ko-KR" altLang="en-US" dirty="0"/>
-          </a:p>
-        </p:txBody>
-      </p:sp>
     </p:spTree>
     <p:extLst>
       <p:ext uri="{BB962C8B-B14F-4D97-AF65-F5344CB8AC3E}">
@@ -4440,14 +4725,14 @@
           <p:nvPr>
             <p:extLst>
               <p:ext uri="{D42A27DB-BD31-4B8C-83A1-F6EECF244321}">
-                <p14:modId xmlns:p14="http://schemas.microsoft.com/office/powerpoint/2010/main" val="1361883188"/>
+                <p14:modId xmlns:p14="http://schemas.microsoft.com/office/powerpoint/2010/main" val="1182890312"/>
               </p:ext>
             </p:extLst>
           </p:nvPr>
         </p:nvGraphicFramePr>
         <p:xfrm>
           <a:off x="467544" y="1052736"/>
-          <a:ext cx="8064896" cy="5256584"/>
+          <a:ext cx="8064896" cy="5370745"/>
         </p:xfrm>
         <a:graphic>
           <a:graphicData uri="http://schemas.openxmlformats.org/drawingml/2006/table">
@@ -4758,6 +5043,19 @@
                         <a:rPr lang="ko-KR" altLang="en-US" dirty="0" smtClean="0"/>
                         <a:t>성능을 최대한 올리고 싶을 때</a:t>
                       </a:r>
+                      <a:r>
+                        <a:rPr lang="en-US" altLang="ko-KR" dirty="0" smtClean="0"/>
+                        <a:t>(</a:t>
+                      </a:r>
+                      <a:r>
+                        <a:rPr lang="ko-KR" altLang="en-US" dirty="0" smtClean="0"/>
+                        <a:t>자주 그리고 한번에 많이 실행되는 함수</a:t>
+                      </a:r>
+                      <a:r>
+                        <a:rPr lang="en-US" altLang="ko-KR" dirty="0" smtClean="0"/>
+                        <a:t>)</a:t>
+                      </a:r>
+                      <a:endParaRPr lang="ko-KR" altLang="en-US" dirty="0" smtClean="0"/>
                     </a:p>
                     <a:p>
                       <a:pPr latinLnBrk="1"/>
@@ -6358,11 +6656,11 @@
             </a:r>
             <a:r>
               <a:rPr lang="en-US" altLang="ko-KR" dirty="0" smtClean="0"/>
-              <a:t>)</a:t>
-            </a:r>
-            <a:r>
-              <a:rPr lang="ko-KR" altLang="en-US" dirty="0" smtClean="0"/>
-              <a:t> 연산하게 합니다</a:t>
+              <a:t>) UI</a:t>
+            </a:r>
+            <a:r>
+              <a:rPr lang="ko-KR" altLang="en-US" dirty="0" smtClean="0"/>
+              <a:t>를 갱신합니다</a:t>
             </a:r>
             <a:r>
               <a:rPr lang="en-US" altLang="ko-KR" dirty="0" smtClean="0"/>
@@ -6388,13 +6686,13 @@
               </a:ext>
             </a:extLst>
           </a:blip>
-          <a:srcRect r="69420" b="87628"/>
+          <a:srcRect l="505" t="-125" r="71755" b="90594"/>
           <a:stretch/>
         </p:blipFill>
         <p:spPr bwMode="auto">
           <a:xfrm>
             <a:off x="467544" y="908720"/>
-            <a:ext cx="1708112" cy="496146"/>
+            <a:ext cx="1549515" cy="382198"/>
           </a:xfrm>
           <a:prstGeom prst="rect">
             <a:avLst/>
@@ -6419,7 +6717,7 @@
         </p:nvSpPr>
         <p:spPr>
           <a:xfrm>
-            <a:off x="2311963" y="833627"/>
+            <a:off x="2123728" y="833627"/>
             <a:ext cx="3816424" cy="646331"/>
           </a:xfrm>
           <a:prstGeom prst="rect">
@@ -6481,7 +6779,7 @@
         </p:nvSpPr>
         <p:spPr>
           <a:xfrm>
-            <a:off x="439348" y="1500360"/>
+            <a:off x="323528" y="1500360"/>
             <a:ext cx="8381124" cy="646331"/>
           </a:xfrm>
           <a:prstGeom prst="rect">
@@ -6622,6 +6920,38 @@
             <a:r>
               <a:rPr lang="ko-KR" altLang="en-US" dirty="0" smtClean="0"/>
               <a:t>에 </a:t>
+            </a:r>
+            <a:r>
+              <a:rPr lang="en-US" altLang="ko-KR" dirty="0" smtClean="0"/>
+              <a:t>C++</a:t>
+            </a:r>
+            <a:r>
+              <a:rPr lang="ko-KR" altLang="en-US" dirty="0"/>
+              <a:t> </a:t>
+            </a:r>
+            <a:r>
+              <a:rPr lang="ko-KR" altLang="en-US" dirty="0" smtClean="0"/>
+              <a:t>스크립트에서 작성한 내용</a:t>
+            </a:r>
+            <a:r>
+              <a:rPr lang="en-US" altLang="ko-KR" dirty="0" smtClean="0"/>
+              <a:t>(</a:t>
+            </a:r>
+            <a:r>
+              <a:rPr lang="ko-KR" altLang="en-US" dirty="0" smtClean="0"/>
+              <a:t>위의 가운데 </a:t>
+            </a:r>
+            <a:r>
+              <a:rPr lang="ko-KR" altLang="en-US" dirty="0" err="1" smtClean="0"/>
+              <a:t>노드</a:t>
+            </a:r>
+            <a:r>
+              <a:rPr lang="en-US" altLang="ko-KR" dirty="0" smtClean="0"/>
+              <a:t>)</a:t>
+            </a:r>
+            <a:r>
+              <a:rPr lang="ko-KR" altLang="en-US" dirty="0" smtClean="0"/>
+              <a:t>을 실행한 후 </a:t>
             </a:r>
             <a:r>
               <a:rPr lang="en-US" altLang="ko-KR" dirty="0" smtClean="0"/>
@@ -6663,7 +6993,7 @@
         </p:nvGrpSpPr>
         <p:grpSpPr>
           <a:xfrm>
-            <a:off x="1321600" y="2420888"/>
+            <a:off x="1321600" y="2276872"/>
             <a:ext cx="6430963" cy="1521857"/>
             <a:chOff x="76733" y="2123564"/>
             <a:chExt cx="6430963" cy="1521857"/>
@@ -6784,9 +7114,169 @@
           <a:chExt cx="0" cy="0"/>
         </a:xfrm>
       </p:grpSpPr>
+      <p:sp>
+        <p:nvSpPr>
+          <p:cNvPr id="4" name="TextBox 3"/>
+          <p:cNvSpPr txBox="1"/>
+          <p:nvPr/>
+        </p:nvSpPr>
+        <p:spPr>
+          <a:xfrm>
+            <a:off x="5328449" y="3993940"/>
+            <a:ext cx="3754504" cy="1477328"/>
+          </a:xfrm>
+          <a:prstGeom prst="rect">
+            <a:avLst/>
+          </a:prstGeom>
+          <a:noFill/>
+        </p:spPr>
+        <p:txBody>
+          <a:bodyPr wrap="square" rtlCol="0">
+            <a:spAutoFit/>
+          </a:bodyPr>
+          <a:lstStyle/>
+          <a:p>
+            <a:r>
+              <a:rPr lang="en-US" altLang="ko-KR" dirty="0" smtClean="0"/>
+              <a:t>1.</a:t>
+            </a:r>
+            <a:r>
+              <a:rPr lang="en-US" altLang="ko-KR" dirty="0" smtClean="0">
+                <a:solidFill>
+                  <a:schemeClr val="accent5">
+                    <a:lumMod val="50000"/>
+                  </a:schemeClr>
+                </a:solidFill>
+              </a:rPr>
+              <a:t> </a:t>
+            </a:r>
+            <a:r>
+              <a:rPr lang="en-US" altLang="ko-KR" dirty="0" err="1" smtClean="0">
+                <a:solidFill>
+                  <a:schemeClr val="accent5">
+                    <a:lumMod val="50000"/>
+                  </a:schemeClr>
+                </a:solidFill>
+              </a:rPr>
+              <a:t>WhenChangeHealth</a:t>
+            </a:r>
+            <a:r>
+              <a:rPr lang="en-US" altLang="ko-KR" dirty="0" smtClean="0">
+                <a:solidFill>
+                  <a:schemeClr val="accent5">
+                    <a:lumMod val="50000"/>
+                  </a:schemeClr>
+                </a:solidFill>
+              </a:rPr>
+              <a:t> </a:t>
+            </a:r>
+            <a:r>
+              <a:rPr lang="ko-KR" altLang="en-US" dirty="0" smtClean="0"/>
+              <a:t>에 이벤트 바인딩</a:t>
+            </a:r>
+            <a:endParaRPr lang="en-US" altLang="ko-KR" dirty="0" smtClean="0"/>
+          </a:p>
+          <a:p>
+            <a:r>
+              <a:rPr lang="en-US" altLang="ko-KR" dirty="0"/>
+              <a:t>2. </a:t>
+            </a:r>
+            <a:r>
+              <a:rPr lang="en-US" altLang="ko-KR" dirty="0" err="1" smtClean="0">
+                <a:solidFill>
+                  <a:schemeClr val="accent5">
+                    <a:lumMod val="50000"/>
+                  </a:schemeClr>
+                </a:solidFill>
+              </a:rPr>
+              <a:t>UpdateHealthBar</a:t>
+            </a:r>
+            <a:r>
+              <a:rPr lang="ko-KR" altLang="en-US" dirty="0" smtClean="0"/>
+              <a:t>의 </a:t>
+            </a:r>
+            <a:r>
+              <a:rPr lang="en-US" altLang="ko-KR" dirty="0" err="1"/>
+              <a:t>Divede</a:t>
+            </a:r>
+            <a:r>
+              <a:rPr lang="en-US" altLang="ko-KR" dirty="0"/>
+              <a:t> </a:t>
+            </a:r>
+            <a:r>
+              <a:rPr lang="ko-KR" altLang="en-US" dirty="0"/>
+              <a:t>연산은 </a:t>
+            </a:r>
+            <a:r>
+              <a:rPr lang="ko-KR" altLang="en-US" dirty="0" err="1"/>
+              <a:t>매프래임이</a:t>
+            </a:r>
+            <a:r>
+              <a:rPr lang="ko-KR" altLang="en-US" dirty="0"/>
+              <a:t> 아닌 </a:t>
+            </a:r>
+            <a:r>
+              <a:rPr lang="en-US" altLang="ko-KR" dirty="0"/>
+              <a:t>HP</a:t>
+            </a:r>
+            <a:r>
+              <a:rPr lang="ko-KR" altLang="en-US" dirty="0"/>
+              <a:t>가 </a:t>
+            </a:r>
+            <a:r>
+              <a:rPr lang="ko-KR" altLang="en-US" dirty="0" smtClean="0"/>
+              <a:t>바뀔 때만 실행</a:t>
+            </a:r>
+            <a:endParaRPr lang="ko-KR" altLang="en-US" dirty="0"/>
+          </a:p>
+        </p:txBody>
+      </p:sp>
+      <p:sp>
+        <p:nvSpPr>
+          <p:cNvPr id="13" name="TextBox 12"/>
+          <p:cNvSpPr txBox="1"/>
+          <p:nvPr/>
+        </p:nvSpPr>
+        <p:spPr>
+          <a:xfrm>
+            <a:off x="35750" y="107340"/>
+            <a:ext cx="2411759" cy="369332"/>
+          </a:xfrm>
+          <a:prstGeom prst="rect">
+            <a:avLst/>
+          </a:prstGeom>
+          <a:solidFill>
+            <a:schemeClr val="accent1">
+              <a:lumMod val="75000"/>
+            </a:schemeClr>
+          </a:solidFill>
+        </p:spPr>
+        <p:txBody>
+          <a:bodyPr wrap="square" rtlCol="0">
+            <a:spAutoFit/>
+          </a:bodyPr>
+          <a:lstStyle/>
+          <a:p>
+            <a:pPr algn="ctr"/>
+            <a:r>
+              <a:rPr lang="en-US" altLang="ko-KR" dirty="0" err="1" smtClean="0">
+                <a:solidFill>
+                  <a:schemeClr val="bg1"/>
+                </a:solidFill>
+              </a:rPr>
+              <a:t>BP_PlayableCharacter</a:t>
+            </a:r>
+            <a:endParaRPr lang="ko-KR" altLang="en-US" dirty="0">
+              <a:solidFill>
+                <a:schemeClr val="bg1"/>
+              </a:solidFill>
+            </a:endParaRPr>
+          </a:p>
+        </p:txBody>
+      </p:sp>
       <p:pic>
         <p:nvPicPr>
-          <p:cNvPr id="6153" name="Picture 9" descr="C:\Nam\포트폴리오 스크린샷&amp;동영상\언리얼\UI\WidjetEvent.PNG"/>
+          <p:cNvPr id="1026" name="Picture 2" descr="C:\Nam\포트폴리오 스크린샷&amp;동영상\HP바 이벤트.PNG"/>
           <p:cNvPicPr>
             <a:picLocks noChangeAspect="1" noChangeArrowheads="1"/>
           </p:cNvPicPr>
@@ -6800,13 +7290,13 @@
               </a:ext>
             </a:extLst>
           </a:blip>
-          <a:srcRect l="1066" r="1866"/>
+          <a:srcRect t="8935" b="3128"/>
           <a:stretch/>
         </p:blipFill>
         <p:spPr bwMode="auto">
           <a:xfrm>
-            <a:off x="1" y="413956"/>
-            <a:ext cx="9144000" cy="4924425"/>
+            <a:off x="35278" y="2959660"/>
+            <a:ext cx="5248275" cy="3316942"/>
           </a:xfrm>
           <a:prstGeom prst="rect">
             <a:avLst/>
@@ -6825,36 +7315,43 @@
       </p:pic>
       <p:sp>
         <p:nvSpPr>
-          <p:cNvPr id="4" name="TextBox 3"/>
-          <p:cNvSpPr txBox="1"/>
+          <p:cNvPr id="5" name="직사각형 4"/>
+          <p:cNvSpPr/>
           <p:nvPr/>
         </p:nvSpPr>
         <p:spPr>
           <a:xfrm>
-            <a:off x="1" y="6133693"/>
-            <a:ext cx="9095545" cy="646331"/>
+            <a:off x="35750" y="1852864"/>
+            <a:ext cx="8971182" cy="646331"/>
           </a:xfrm>
           <a:prstGeom prst="rect">
             <a:avLst/>
           </a:prstGeom>
-          <a:noFill/>
-        </p:spPr>
-        <p:txBody>
-          <a:bodyPr wrap="square" rtlCol="0">
+        </p:spPr>
+        <p:txBody>
+          <a:bodyPr wrap="square">
             <a:spAutoFit/>
           </a:bodyPr>
           <a:lstStyle/>
           <a:p>
             <a:r>
-              <a:rPr lang="en-US" altLang="ko-KR" dirty="0" smtClean="0"/>
-              <a:t>1.</a:t>
+              <a:rPr lang="en-US" altLang="ko-KR" dirty="0" err="1" smtClean="0">
+                <a:solidFill>
+                  <a:schemeClr val="accent6">
+                    <a:lumMod val="75000"/>
+                  </a:schemeClr>
+                </a:solidFill>
+              </a:rPr>
+              <a:t>PlayableCharacter.h</a:t>
+            </a:r>
+            <a:r>
+              <a:rPr lang="ko-KR" altLang="en-US" dirty="0" smtClean="0"/>
+              <a:t>에서</a:t>
             </a:r>
             <a:r>
               <a:rPr lang="en-US" altLang="ko-KR" dirty="0" smtClean="0">
                 <a:solidFill>
-                  <a:schemeClr val="accent5">
-                    <a:lumMod val="50000"/>
-                  </a:schemeClr>
+                  <a:schemeClr val="accent5"/>
                 </a:solidFill>
               </a:rPr>
               <a:t> </a:t>
@@ -6862,89 +7359,62 @@
             <a:r>
               <a:rPr lang="en-US" altLang="ko-KR" dirty="0" err="1" smtClean="0">
                 <a:solidFill>
-                  <a:schemeClr val="accent5">
-                    <a:lumMod val="50000"/>
-                  </a:schemeClr>
+                  <a:schemeClr val="accent5"/>
                 </a:solidFill>
               </a:rPr>
+              <a:t>CalculateHealth</a:t>
+            </a:r>
+            <a:r>
+              <a:rPr lang="en-US" altLang="ko-KR" dirty="0" smtClean="0">
+                <a:solidFill>
+                  <a:srgbClr val="800080"/>
+                </a:solidFill>
+              </a:rPr>
+              <a:t>(</a:t>
+            </a:r>
+            <a:r>
+              <a:rPr lang="en-US" altLang="ko-KR" dirty="0" err="1" smtClean="0">
+                <a:solidFill>
+                  <a:srgbClr val="800080"/>
+                </a:solidFill>
+              </a:rPr>
+              <a:t>BlueprintNativeEvent</a:t>
+            </a:r>
+            <a:r>
+              <a:rPr lang="en-US" altLang="ko-KR" dirty="0" smtClean="0"/>
+              <a:t>)</a:t>
+            </a:r>
+            <a:r>
+              <a:rPr lang="ko-KR" altLang="en-US" dirty="0" smtClean="0"/>
+              <a:t>의 원래 내용을 </a:t>
+            </a:r>
+            <a:r>
+              <a:rPr lang="ko-KR" altLang="en-US" dirty="0" err="1" smtClean="0"/>
+              <a:t>실행한후</a:t>
+            </a:r>
+            <a:r>
+              <a:rPr lang="ko-KR" altLang="en-US" dirty="0" smtClean="0"/>
+              <a:t> </a:t>
+            </a:r>
+            <a:r>
+              <a:rPr lang="en-US" altLang="ko-KR" dirty="0" err="1" smtClean="0"/>
               <a:t>WhenChangeHealth</a:t>
             </a:r>
             <a:r>
-              <a:rPr lang="en-US" altLang="ko-KR" dirty="0" smtClean="0">
-                <a:solidFill>
-                  <a:schemeClr val="accent5">
-                    <a:lumMod val="50000"/>
-                  </a:schemeClr>
-                </a:solidFill>
-              </a:rPr>
-              <a:t> </a:t>
-            </a:r>
-            <a:r>
-              <a:rPr lang="ko-KR" altLang="en-US" dirty="0" smtClean="0"/>
-              <a:t>에 이벤트 바인딩</a:t>
-            </a:r>
-            <a:endParaRPr lang="en-US" altLang="ko-KR" dirty="0" smtClean="0"/>
-          </a:p>
-          <a:p>
-            <a:r>
               <a:rPr lang="en-US" altLang="ko-KR" dirty="0"/>
-              <a:t>2. </a:t>
-            </a:r>
-            <a:r>
-              <a:rPr lang="en-US" altLang="ko-KR" dirty="0">
-                <a:solidFill>
-                  <a:schemeClr val="accent5">
-                    <a:lumMod val="50000"/>
-                  </a:schemeClr>
-                </a:solidFill>
-              </a:rPr>
-              <a:t>Calculate Health </a:t>
-            </a:r>
-            <a:r>
-              <a:rPr lang="en-US" altLang="ko-KR" dirty="0" smtClean="0">
-                <a:solidFill>
-                  <a:schemeClr val="accent5">
-                    <a:lumMod val="50000"/>
-                  </a:schemeClr>
-                </a:solidFill>
-              </a:rPr>
-              <a:t>Percent</a:t>
-            </a:r>
-            <a:r>
-              <a:rPr lang="ko-KR" altLang="en-US" dirty="0" smtClean="0"/>
-              <a:t>의 </a:t>
-            </a:r>
-            <a:r>
-              <a:rPr lang="en-US" altLang="ko-KR" dirty="0" err="1"/>
-              <a:t>Divede</a:t>
-            </a:r>
-            <a:r>
-              <a:rPr lang="en-US" altLang="ko-KR" dirty="0"/>
-              <a:t> </a:t>
+              <a:t>(</a:t>
             </a:r>
             <a:r>
               <a:rPr lang="ko-KR" altLang="en-US" dirty="0"/>
-              <a:t>연산은 </a:t>
-            </a:r>
-            <a:r>
-              <a:rPr lang="ko-KR" altLang="en-US" dirty="0" err="1"/>
-              <a:t>매프래임이</a:t>
-            </a:r>
-            <a:r>
-              <a:rPr lang="ko-KR" altLang="en-US" dirty="0"/>
-              <a:t> 아닌 </a:t>
-            </a:r>
-            <a:r>
-              <a:rPr lang="en-US" altLang="ko-KR" dirty="0"/>
-              <a:t>HP</a:t>
-            </a:r>
-            <a:r>
-              <a:rPr lang="ko-KR" altLang="en-US" dirty="0"/>
-              <a:t>가 </a:t>
-            </a:r>
-            <a:r>
-              <a:rPr lang="ko-KR" altLang="en-US" dirty="0" smtClean="0"/>
-              <a:t>바뀔 때만 실행</a:t>
+              <a:t>현재로선 아무런 기능이 없음</a:t>
+            </a:r>
+            <a:r>
+              <a:rPr lang="en-US" altLang="ko-KR" dirty="0" smtClean="0"/>
+              <a:t>) </a:t>
+            </a:r>
+            <a:r>
+              <a:rPr lang="ko-KR" altLang="en-US" dirty="0" smtClean="0"/>
+              <a:t>이벤트 호출</a:t>
             </a:r>
             <a:endParaRPr lang="ko-KR" altLang="en-US" dirty="0"/>
           </a:p>
@@ -6952,14 +7422,14 @@
       </p:sp>
       <p:sp>
         <p:nvSpPr>
-          <p:cNvPr id="13" name="TextBox 12"/>
+          <p:cNvPr id="11" name="TextBox 10"/>
           <p:cNvSpPr txBox="1"/>
           <p:nvPr/>
         </p:nvSpPr>
         <p:spPr>
           <a:xfrm>
-            <a:off x="1" y="44624"/>
-            <a:ext cx="1283185" cy="369332"/>
+            <a:off x="35750" y="2589584"/>
+            <a:ext cx="2989928" cy="369332"/>
           </a:xfrm>
           <a:prstGeom prst="rect">
             <a:avLst/>
@@ -6983,7 +7453,39 @@
                   <a:schemeClr val="bg1"/>
                 </a:solidFill>
               </a:rPr>
-              <a:t>HPWidget</a:t>
+              <a:t>PlayerInfo</a:t>
+            </a:r>
+            <a:r>
+              <a:rPr lang="en-US" altLang="ko-KR" dirty="0" smtClean="0">
+                <a:solidFill>
+                  <a:schemeClr val="bg1"/>
+                </a:solidFill>
+              </a:rPr>
+              <a:t>(</a:t>
+            </a:r>
+            <a:r>
+              <a:rPr lang="ko-KR" altLang="en-US" dirty="0" err="1" smtClean="0">
+                <a:solidFill>
+                  <a:schemeClr val="bg1"/>
+                </a:solidFill>
+              </a:rPr>
+              <a:t>위젯</a:t>
+            </a:r>
+            <a:r>
+              <a:rPr lang="ko-KR" altLang="en-US" dirty="0" smtClean="0">
+                <a:solidFill>
+                  <a:schemeClr val="bg1"/>
+                </a:solidFill>
+              </a:rPr>
+              <a:t> 블루프린트</a:t>
+            </a:r>
+            <a:r>
+              <a:rPr lang="en-US" altLang="ko-KR" dirty="0" smtClean="0">
+                <a:solidFill>
+                  <a:schemeClr val="bg1"/>
+                </a:solidFill>
+              </a:rPr>
+              <a:t>)</a:t>
             </a:r>
             <a:endParaRPr lang="ko-KR" altLang="en-US" dirty="0">
               <a:solidFill>
@@ -6993,121 +7495,47 @@
           </a:p>
         </p:txBody>
       </p:sp>
-      <p:sp>
-        <p:nvSpPr>
-          <p:cNvPr id="7" name="TextBox 6"/>
-          <p:cNvSpPr txBox="1"/>
+      <p:pic>
+        <p:nvPicPr>
+          <p:cNvPr id="1028" name="Picture 4" descr="C:\Nam\포트폴리오 스크린샷&amp;동영상\BP플레이어에서.PNG"/>
+          <p:cNvPicPr>
+            <a:picLocks noChangeAspect="1" noChangeArrowheads="1"/>
+          </p:cNvPicPr>
           <p:nvPr/>
-        </p:nvSpPr>
-        <p:spPr>
-          <a:xfrm>
-            <a:off x="172818" y="5358627"/>
-            <a:ext cx="6847454" cy="646331"/>
+        </p:nvPicPr>
+        <p:blipFill>
+          <a:blip r:embed="rId3">
+            <a:extLst>
+              <a:ext uri="{28A0092B-C50C-407E-A947-70E740481C1C}">
+                <a14:useLocalDpi xmlns:a14="http://schemas.microsoft.com/office/drawing/2010/main" val="0"/>
+              </a:ext>
+            </a:extLst>
+          </a:blip>
+          <a:srcRect/>
+          <a:stretch>
+            <a:fillRect/>
+          </a:stretch>
+        </p:blipFill>
+        <p:spPr bwMode="auto">
+          <a:xfrm>
+            <a:off x="35750" y="471739"/>
+            <a:ext cx="6983412" cy="1381125"/>
           </a:xfrm>
           <a:prstGeom prst="rect">
             <a:avLst/>
           </a:prstGeom>
           <a:noFill/>
-        </p:spPr>
-        <p:txBody>
-          <a:bodyPr wrap="square" rtlCol="0">
-            <a:spAutoFit/>
-          </a:bodyPr>
-          <a:lstStyle/>
-          <a:p>
-            <a:r>
-              <a:rPr lang="en-US" altLang="ko-KR" dirty="0" err="1" smtClean="0">
-                <a:solidFill>
-                  <a:schemeClr val="accent5">
-                    <a:lumMod val="50000"/>
-                  </a:schemeClr>
-                </a:solidFill>
-              </a:rPr>
-              <a:t>Calclulate</a:t>
-            </a:r>
-            <a:r>
-              <a:rPr lang="en-US" altLang="ko-KR" dirty="0" smtClean="0">
-                <a:solidFill>
-                  <a:schemeClr val="accent5">
-                    <a:lumMod val="50000"/>
-                  </a:schemeClr>
-                </a:solidFill>
-              </a:rPr>
-              <a:t> Health Percent </a:t>
-            </a:r>
-            <a:r>
-              <a:rPr lang="en-US" altLang="ko-KR" dirty="0" smtClean="0"/>
-              <a:t>:</a:t>
-            </a:r>
-            <a:r>
-              <a:rPr lang="ko-KR" altLang="en-US" dirty="0"/>
-              <a:t> </a:t>
-            </a:r>
-            <a:r>
-              <a:rPr lang="en-US" altLang="ko-KR" dirty="0" err="1" smtClean="0">
-                <a:solidFill>
-                  <a:srgbClr val="00B050"/>
-                </a:solidFill>
-              </a:rPr>
-              <a:t>HealthPercent</a:t>
-            </a:r>
-            <a:r>
-              <a:rPr lang="en-US" altLang="ko-KR" dirty="0" smtClean="0"/>
-              <a:t> = </a:t>
-            </a:r>
-            <a:r>
-              <a:rPr lang="ko-KR" altLang="en-US" dirty="0" err="1" smtClean="0"/>
-              <a:t>현재채력</a:t>
-            </a:r>
-            <a:r>
-              <a:rPr lang="en-US" altLang="ko-KR" dirty="0"/>
-              <a:t>/</a:t>
-            </a:r>
-            <a:r>
-              <a:rPr lang="ko-KR" altLang="en-US" dirty="0" smtClean="0"/>
-              <a:t>최대체력</a:t>
-            </a:r>
-            <a:endParaRPr lang="en-US" altLang="ko-KR" dirty="0" smtClean="0"/>
-          </a:p>
-          <a:p>
-            <a:r>
-              <a:rPr lang="en-US" altLang="ko-KR" dirty="0" smtClean="0">
-                <a:solidFill>
-                  <a:schemeClr val="accent5">
-                    <a:lumMod val="50000"/>
-                  </a:schemeClr>
-                </a:solidFill>
-              </a:rPr>
-              <a:t>Set Health Bar </a:t>
-            </a:r>
-            <a:r>
-              <a:rPr lang="en-US" altLang="ko-KR" dirty="0" smtClean="0"/>
-              <a:t>: </a:t>
-            </a:r>
-            <a:r>
-              <a:rPr lang="en-US" altLang="ko-KR" dirty="0" err="1" smtClean="0">
-                <a:solidFill>
-                  <a:srgbClr val="00B050"/>
-                </a:solidFill>
-              </a:rPr>
-              <a:t>HealthPercent</a:t>
-            </a:r>
-            <a:r>
-              <a:rPr lang="ko-KR" altLang="en-US" dirty="0" smtClean="0"/>
-              <a:t>의 값을</a:t>
-            </a:r>
-            <a:r>
-              <a:rPr lang="en-US" altLang="ko-KR" dirty="0" smtClean="0"/>
-              <a:t> UI</a:t>
-            </a:r>
-            <a:r>
-              <a:rPr lang="ko-KR" altLang="en-US" dirty="0" smtClean="0"/>
-              <a:t>에 반영</a:t>
-            </a:r>
-            <a:endParaRPr lang="ko-KR" altLang="en-US" dirty="0"/>
-          </a:p>
-        </p:txBody>
-      </p:sp>
+          <a:extLst>
+            <a:ext uri="{909E8E84-426E-40DD-AFC4-6F175D3DCCD1}">
+              <a14:hiddenFill xmlns:a14="http://schemas.microsoft.com/office/drawing/2010/main">
+                <a:solidFill>
+                  <a:srgbClr val="FFFFFF"/>
+                </a:solidFill>
+              </a14:hiddenFill>
+            </a:ext>
+          </a:extLst>
+        </p:spPr>
+      </p:pic>
     </p:spTree>
     <p:extLst>
       <p:ext uri="{BB962C8B-B14F-4D97-AF65-F5344CB8AC3E}">
@@ -7118,6 +7546,13 @@
   <p:clrMapOvr>
     <a:masterClrMapping/>
   </p:clrMapOvr>
+  <p:timing>
+    <p:tnLst>
+      <p:par>
+        <p:cTn id="1" dur="indefinite" restart="never" nodeType="tmRoot"/>
+      </p:par>
+    </p:tnLst>
+  </p:timing>
 </p:sld>
 </file>
 
